--- a/ppt 16-9/1300.教养孩童.pptx
+++ b/ppt 16-9/1300.教养孩童.pptx
@@ -129,7 +129,7 @@
           <p:cNvPr id="2" name="标题 1">
             <a:extLst>
               <a:ext uri="{FF2B5EF4-FFF2-40B4-BE49-F238E27FC236}">
-                <a16:creationId xmlns:a16="http://schemas.microsoft.com/office/drawing/2014/main" id="{F1006C81-8DCC-97C7-8FDF-A10E72246439}"/>
+                <a16:creationId xmlns:a16="http://schemas.microsoft.com/office/drawing/2014/main" id="{59F694BE-96B8-462E-C5FA-3747F3F73D1A}"/>
               </a:ext>
             </a:extLst>
           </p:cNvPr>
@@ -166,7 +166,7 @@
           <p:cNvPr id="3" name="副标题 2">
             <a:extLst>
               <a:ext uri="{FF2B5EF4-FFF2-40B4-BE49-F238E27FC236}">
-                <a16:creationId xmlns:a16="http://schemas.microsoft.com/office/drawing/2014/main" id="{FD4D5ADE-17BD-92F9-577F-D7CE255367F0}"/>
+                <a16:creationId xmlns:a16="http://schemas.microsoft.com/office/drawing/2014/main" id="{8322B3CE-0A00-CE3D-FD0B-11F4A72706AA}"/>
               </a:ext>
             </a:extLst>
           </p:cNvPr>
@@ -236,7 +236,7 @@
           <p:cNvPr id="4" name="日期占位符 3">
             <a:extLst>
               <a:ext uri="{FF2B5EF4-FFF2-40B4-BE49-F238E27FC236}">
-                <a16:creationId xmlns:a16="http://schemas.microsoft.com/office/drawing/2014/main" id="{F97F4C41-E852-D00B-A3F5-3A8825CE3E35}"/>
+                <a16:creationId xmlns:a16="http://schemas.microsoft.com/office/drawing/2014/main" id="{D7124EF6-DD58-A121-11BF-B1116C7DEF80}"/>
               </a:ext>
             </a:extLst>
           </p:cNvPr>
@@ -252,7 +252,7 @@
           <a:bodyPr/>
           <a:lstStyle/>
           <a:p>
-            <a:fld id="{A75F38AE-BCFE-40B1-85C6-747079975578}" type="datetimeFigureOut">
+            <a:fld id="{627BD2E9-3CDF-40EF-9B10-953DADF86D1B}" type="datetimeFigureOut">
               <a:rPr lang="zh-CN" altLang="en-US" smtClean="0"/>
               <a:t>2024/3/10</a:t>
             </a:fld>
@@ -265,7 +265,7 @@
           <p:cNvPr id="5" name="页脚占位符 4">
             <a:extLst>
               <a:ext uri="{FF2B5EF4-FFF2-40B4-BE49-F238E27FC236}">
-                <a16:creationId xmlns:a16="http://schemas.microsoft.com/office/drawing/2014/main" id="{EB629E18-C4AF-6F73-4104-45235F74A7F0}"/>
+                <a16:creationId xmlns:a16="http://schemas.microsoft.com/office/drawing/2014/main" id="{3A87A5C4-4DDD-A083-9074-DC72BAA19A18}"/>
               </a:ext>
             </a:extLst>
           </p:cNvPr>
@@ -290,7 +290,7 @@
           <p:cNvPr id="6" name="灯片编号占位符 5">
             <a:extLst>
               <a:ext uri="{FF2B5EF4-FFF2-40B4-BE49-F238E27FC236}">
-                <a16:creationId xmlns:a16="http://schemas.microsoft.com/office/drawing/2014/main" id="{C8256D5F-8E13-B34D-5DB2-A8EB0FC16C31}"/>
+                <a16:creationId xmlns:a16="http://schemas.microsoft.com/office/drawing/2014/main" id="{79CB35C5-923A-EB38-4C50-09BC76E4AB4F}"/>
               </a:ext>
             </a:extLst>
           </p:cNvPr>
@@ -306,7 +306,7 @@
           <a:bodyPr/>
           <a:lstStyle/>
           <a:p>
-            <a:fld id="{393140F8-0DE6-47CB-9F2B-29DF2643CDF4}" type="slidenum">
+            <a:fld id="{E05A3B10-AF22-4916-8975-BF1BDF8C64EE}" type="slidenum">
               <a:rPr lang="zh-CN" altLang="en-US" smtClean="0"/>
               <a:t>‹#›</a:t>
             </a:fld>
@@ -317,7 +317,7 @@
     </p:spTree>
     <p:extLst>
       <p:ext uri="{BB962C8B-B14F-4D97-AF65-F5344CB8AC3E}">
-        <p14:creationId xmlns:p14="http://schemas.microsoft.com/office/powerpoint/2010/main" val="1795046751"/>
+        <p14:creationId xmlns:p14="http://schemas.microsoft.com/office/powerpoint/2010/main" val="3262440835"/>
       </p:ext>
     </p:extLst>
   </p:cSld>
@@ -349,7 +349,7 @@
           <p:cNvPr id="2" name="标题 1">
             <a:extLst>
               <a:ext uri="{FF2B5EF4-FFF2-40B4-BE49-F238E27FC236}">
-                <a16:creationId xmlns:a16="http://schemas.microsoft.com/office/drawing/2014/main" id="{8694B048-7FE0-BAB6-E336-8C6E042A03C6}"/>
+                <a16:creationId xmlns:a16="http://schemas.microsoft.com/office/drawing/2014/main" id="{E8FC6A33-D405-2E90-FC90-0D87C9A6C397}"/>
               </a:ext>
             </a:extLst>
           </p:cNvPr>
@@ -377,7 +377,7 @@
           <p:cNvPr id="3" name="竖排文字占位符 2">
             <a:extLst>
               <a:ext uri="{FF2B5EF4-FFF2-40B4-BE49-F238E27FC236}">
-                <a16:creationId xmlns:a16="http://schemas.microsoft.com/office/drawing/2014/main" id="{63C910B9-555C-1BF4-7908-6E22A92446A7}"/>
+                <a16:creationId xmlns:a16="http://schemas.microsoft.com/office/drawing/2014/main" id="{C5287360-2940-23C6-F7DF-5CA3B1528656}"/>
               </a:ext>
             </a:extLst>
           </p:cNvPr>
@@ -434,7 +434,7 @@
           <p:cNvPr id="4" name="日期占位符 3">
             <a:extLst>
               <a:ext uri="{FF2B5EF4-FFF2-40B4-BE49-F238E27FC236}">
-                <a16:creationId xmlns:a16="http://schemas.microsoft.com/office/drawing/2014/main" id="{50C5DA96-E8BB-E78F-A3C5-B1252C448EBE}"/>
+                <a16:creationId xmlns:a16="http://schemas.microsoft.com/office/drawing/2014/main" id="{498E00BE-076C-9B33-3DF9-023A58A39E6C}"/>
               </a:ext>
             </a:extLst>
           </p:cNvPr>
@@ -450,7 +450,7 @@
           <a:bodyPr/>
           <a:lstStyle/>
           <a:p>
-            <a:fld id="{A75F38AE-BCFE-40B1-85C6-747079975578}" type="datetimeFigureOut">
+            <a:fld id="{627BD2E9-3CDF-40EF-9B10-953DADF86D1B}" type="datetimeFigureOut">
               <a:rPr lang="zh-CN" altLang="en-US" smtClean="0"/>
               <a:t>2024/3/10</a:t>
             </a:fld>
@@ -463,7 +463,7 @@
           <p:cNvPr id="5" name="页脚占位符 4">
             <a:extLst>
               <a:ext uri="{FF2B5EF4-FFF2-40B4-BE49-F238E27FC236}">
-                <a16:creationId xmlns:a16="http://schemas.microsoft.com/office/drawing/2014/main" id="{BD0574FB-FE5D-2A06-4ABD-7B6DA6FA17D8}"/>
+                <a16:creationId xmlns:a16="http://schemas.microsoft.com/office/drawing/2014/main" id="{25C60092-4748-D17A-13CF-D180D9C27F76}"/>
               </a:ext>
             </a:extLst>
           </p:cNvPr>
@@ -488,7 +488,7 @@
           <p:cNvPr id="6" name="灯片编号占位符 5">
             <a:extLst>
               <a:ext uri="{FF2B5EF4-FFF2-40B4-BE49-F238E27FC236}">
-                <a16:creationId xmlns:a16="http://schemas.microsoft.com/office/drawing/2014/main" id="{B0A9B4C5-FF69-8837-0F09-3820FB746C39}"/>
+                <a16:creationId xmlns:a16="http://schemas.microsoft.com/office/drawing/2014/main" id="{99AA1C0C-A7DC-1A61-3024-2D6B218F38C5}"/>
               </a:ext>
             </a:extLst>
           </p:cNvPr>
@@ -504,7 +504,7 @@
           <a:bodyPr/>
           <a:lstStyle/>
           <a:p>
-            <a:fld id="{393140F8-0DE6-47CB-9F2B-29DF2643CDF4}" type="slidenum">
+            <a:fld id="{E05A3B10-AF22-4916-8975-BF1BDF8C64EE}" type="slidenum">
               <a:rPr lang="zh-CN" altLang="en-US" smtClean="0"/>
               <a:t>‹#›</a:t>
             </a:fld>
@@ -515,7 +515,7 @@
     </p:spTree>
     <p:extLst>
       <p:ext uri="{BB962C8B-B14F-4D97-AF65-F5344CB8AC3E}">
-        <p14:creationId xmlns:p14="http://schemas.microsoft.com/office/powerpoint/2010/main" val="1094245330"/>
+        <p14:creationId xmlns:p14="http://schemas.microsoft.com/office/powerpoint/2010/main" val="1076425096"/>
       </p:ext>
     </p:extLst>
   </p:cSld>
@@ -547,7 +547,7 @@
           <p:cNvPr id="2" name="竖排标题 1">
             <a:extLst>
               <a:ext uri="{FF2B5EF4-FFF2-40B4-BE49-F238E27FC236}">
-                <a16:creationId xmlns:a16="http://schemas.microsoft.com/office/drawing/2014/main" id="{7FD4122D-3047-46B8-F407-F0F2A776EBEE}"/>
+                <a16:creationId xmlns:a16="http://schemas.microsoft.com/office/drawing/2014/main" id="{207BCB45-5461-A864-A56C-FFD9EFEB517E}"/>
               </a:ext>
             </a:extLst>
           </p:cNvPr>
@@ -580,7 +580,7 @@
           <p:cNvPr id="3" name="竖排文字占位符 2">
             <a:extLst>
               <a:ext uri="{FF2B5EF4-FFF2-40B4-BE49-F238E27FC236}">
-                <a16:creationId xmlns:a16="http://schemas.microsoft.com/office/drawing/2014/main" id="{9DA14F2C-3104-0161-309A-352386A5D3BF}"/>
+                <a16:creationId xmlns:a16="http://schemas.microsoft.com/office/drawing/2014/main" id="{7A49A29C-9DA6-0338-F7FF-973894CFC9FD}"/>
               </a:ext>
             </a:extLst>
           </p:cNvPr>
@@ -642,7 +642,7 @@
           <p:cNvPr id="4" name="日期占位符 3">
             <a:extLst>
               <a:ext uri="{FF2B5EF4-FFF2-40B4-BE49-F238E27FC236}">
-                <a16:creationId xmlns:a16="http://schemas.microsoft.com/office/drawing/2014/main" id="{D3E56C2C-0B7D-AE00-0023-69777A6A1244}"/>
+                <a16:creationId xmlns:a16="http://schemas.microsoft.com/office/drawing/2014/main" id="{2C968993-2782-379E-EAEE-652579F6FBC2}"/>
               </a:ext>
             </a:extLst>
           </p:cNvPr>
@@ -658,7 +658,7 @@
           <a:bodyPr/>
           <a:lstStyle/>
           <a:p>
-            <a:fld id="{A75F38AE-BCFE-40B1-85C6-747079975578}" type="datetimeFigureOut">
+            <a:fld id="{627BD2E9-3CDF-40EF-9B10-953DADF86D1B}" type="datetimeFigureOut">
               <a:rPr lang="zh-CN" altLang="en-US" smtClean="0"/>
               <a:t>2024/3/10</a:t>
             </a:fld>
@@ -671,7 +671,7 @@
           <p:cNvPr id="5" name="页脚占位符 4">
             <a:extLst>
               <a:ext uri="{FF2B5EF4-FFF2-40B4-BE49-F238E27FC236}">
-                <a16:creationId xmlns:a16="http://schemas.microsoft.com/office/drawing/2014/main" id="{BEFA45C2-FBB0-51A3-570D-F45801947E23}"/>
+                <a16:creationId xmlns:a16="http://schemas.microsoft.com/office/drawing/2014/main" id="{E5C8B9E7-AB35-46DF-791A-68E0FE0FE111}"/>
               </a:ext>
             </a:extLst>
           </p:cNvPr>
@@ -696,7 +696,7 @@
           <p:cNvPr id="6" name="灯片编号占位符 5">
             <a:extLst>
               <a:ext uri="{FF2B5EF4-FFF2-40B4-BE49-F238E27FC236}">
-                <a16:creationId xmlns:a16="http://schemas.microsoft.com/office/drawing/2014/main" id="{A90FB9C3-F0F1-01E1-5EE7-60FF98294970}"/>
+                <a16:creationId xmlns:a16="http://schemas.microsoft.com/office/drawing/2014/main" id="{39FF1390-34AE-7E3D-8316-9735E309CCDA}"/>
               </a:ext>
             </a:extLst>
           </p:cNvPr>
@@ -712,7 +712,7 @@
           <a:bodyPr/>
           <a:lstStyle/>
           <a:p>
-            <a:fld id="{393140F8-0DE6-47CB-9F2B-29DF2643CDF4}" type="slidenum">
+            <a:fld id="{E05A3B10-AF22-4916-8975-BF1BDF8C64EE}" type="slidenum">
               <a:rPr lang="zh-CN" altLang="en-US" smtClean="0"/>
               <a:t>‹#›</a:t>
             </a:fld>
@@ -723,7 +723,7 @@
     </p:spTree>
     <p:extLst>
       <p:ext uri="{BB962C8B-B14F-4D97-AF65-F5344CB8AC3E}">
-        <p14:creationId xmlns:p14="http://schemas.microsoft.com/office/powerpoint/2010/main" val="1912653446"/>
+        <p14:creationId xmlns:p14="http://schemas.microsoft.com/office/powerpoint/2010/main" val="3879849708"/>
       </p:ext>
     </p:extLst>
   </p:cSld>
@@ -755,7 +755,7 @@
           <p:cNvPr id="2" name="标题 1">
             <a:extLst>
               <a:ext uri="{FF2B5EF4-FFF2-40B4-BE49-F238E27FC236}">
-                <a16:creationId xmlns:a16="http://schemas.microsoft.com/office/drawing/2014/main" id="{A4325C71-039F-86B1-8106-70A46CA45E5B}"/>
+                <a16:creationId xmlns:a16="http://schemas.microsoft.com/office/drawing/2014/main" id="{3BE0FC61-835F-8C6D-8D85-B92154A201F2}"/>
               </a:ext>
             </a:extLst>
           </p:cNvPr>
@@ -783,7 +783,7 @@
           <p:cNvPr id="3" name="内容占位符 2">
             <a:extLst>
               <a:ext uri="{FF2B5EF4-FFF2-40B4-BE49-F238E27FC236}">
-                <a16:creationId xmlns:a16="http://schemas.microsoft.com/office/drawing/2014/main" id="{D94C0E25-4E90-EC04-B279-5D738DD12175}"/>
+                <a16:creationId xmlns:a16="http://schemas.microsoft.com/office/drawing/2014/main" id="{39428B43-0FF6-A013-ECCD-004383D27BA0}"/>
               </a:ext>
             </a:extLst>
           </p:cNvPr>
@@ -840,7 +840,7 @@
           <p:cNvPr id="4" name="日期占位符 3">
             <a:extLst>
               <a:ext uri="{FF2B5EF4-FFF2-40B4-BE49-F238E27FC236}">
-                <a16:creationId xmlns:a16="http://schemas.microsoft.com/office/drawing/2014/main" id="{378C4B8B-0798-5B2F-4214-008452768D4E}"/>
+                <a16:creationId xmlns:a16="http://schemas.microsoft.com/office/drawing/2014/main" id="{BEB4A5F8-C15D-1987-50CF-1F98FCB997AC}"/>
               </a:ext>
             </a:extLst>
           </p:cNvPr>
@@ -856,7 +856,7 @@
           <a:bodyPr/>
           <a:lstStyle/>
           <a:p>
-            <a:fld id="{A75F38AE-BCFE-40B1-85C6-747079975578}" type="datetimeFigureOut">
+            <a:fld id="{627BD2E9-3CDF-40EF-9B10-953DADF86D1B}" type="datetimeFigureOut">
               <a:rPr lang="zh-CN" altLang="en-US" smtClean="0"/>
               <a:t>2024/3/10</a:t>
             </a:fld>
@@ -869,7 +869,7 @@
           <p:cNvPr id="5" name="页脚占位符 4">
             <a:extLst>
               <a:ext uri="{FF2B5EF4-FFF2-40B4-BE49-F238E27FC236}">
-                <a16:creationId xmlns:a16="http://schemas.microsoft.com/office/drawing/2014/main" id="{2E33BA2E-79A6-21EA-AF3C-6A67E2B04A46}"/>
+                <a16:creationId xmlns:a16="http://schemas.microsoft.com/office/drawing/2014/main" id="{74803968-0E87-8139-B202-85F2A7FF2F41}"/>
               </a:ext>
             </a:extLst>
           </p:cNvPr>
@@ -894,7 +894,7 @@
           <p:cNvPr id="6" name="灯片编号占位符 5">
             <a:extLst>
               <a:ext uri="{FF2B5EF4-FFF2-40B4-BE49-F238E27FC236}">
-                <a16:creationId xmlns:a16="http://schemas.microsoft.com/office/drawing/2014/main" id="{AEA08304-BE37-D732-70B8-12255A691808}"/>
+                <a16:creationId xmlns:a16="http://schemas.microsoft.com/office/drawing/2014/main" id="{7BB4F1F5-1FBF-BB18-A6BF-4345AD6FAA18}"/>
               </a:ext>
             </a:extLst>
           </p:cNvPr>
@@ -910,7 +910,7 @@
           <a:bodyPr/>
           <a:lstStyle/>
           <a:p>
-            <a:fld id="{393140F8-0DE6-47CB-9F2B-29DF2643CDF4}" type="slidenum">
+            <a:fld id="{E05A3B10-AF22-4916-8975-BF1BDF8C64EE}" type="slidenum">
               <a:rPr lang="zh-CN" altLang="en-US" smtClean="0"/>
               <a:t>‹#›</a:t>
             </a:fld>
@@ -921,7 +921,7 @@
     </p:spTree>
     <p:extLst>
       <p:ext uri="{BB962C8B-B14F-4D97-AF65-F5344CB8AC3E}">
-        <p14:creationId xmlns:p14="http://schemas.microsoft.com/office/powerpoint/2010/main" val="663777219"/>
+        <p14:creationId xmlns:p14="http://schemas.microsoft.com/office/powerpoint/2010/main" val="2926476291"/>
       </p:ext>
     </p:extLst>
   </p:cSld>
@@ -953,7 +953,7 @@
           <p:cNvPr id="2" name="标题 1">
             <a:extLst>
               <a:ext uri="{FF2B5EF4-FFF2-40B4-BE49-F238E27FC236}">
-                <a16:creationId xmlns:a16="http://schemas.microsoft.com/office/drawing/2014/main" id="{43B1076E-5C5D-9EDD-C231-DE37FAE70DEC}"/>
+                <a16:creationId xmlns:a16="http://schemas.microsoft.com/office/drawing/2014/main" id="{AC47BA47-DFCA-E742-8881-C880BF9B189E}"/>
               </a:ext>
             </a:extLst>
           </p:cNvPr>
@@ -990,7 +990,7 @@
           <p:cNvPr id="3" name="文本占位符 2">
             <a:extLst>
               <a:ext uri="{FF2B5EF4-FFF2-40B4-BE49-F238E27FC236}">
-                <a16:creationId xmlns:a16="http://schemas.microsoft.com/office/drawing/2014/main" id="{614EA05F-2CA3-46B4-4F77-C09F96540838}"/>
+                <a16:creationId xmlns:a16="http://schemas.microsoft.com/office/drawing/2014/main" id="{B3B378A1-3961-B5D4-00F0-5C5E81FEBCDA}"/>
               </a:ext>
             </a:extLst>
           </p:cNvPr>
@@ -1115,7 +1115,7 @@
           <p:cNvPr id="4" name="日期占位符 3">
             <a:extLst>
               <a:ext uri="{FF2B5EF4-FFF2-40B4-BE49-F238E27FC236}">
-                <a16:creationId xmlns:a16="http://schemas.microsoft.com/office/drawing/2014/main" id="{671838DA-9837-4316-687D-C71ED7C2BB68}"/>
+                <a16:creationId xmlns:a16="http://schemas.microsoft.com/office/drawing/2014/main" id="{430D4BB9-3209-5413-C3AA-E314AB68BDCC}"/>
               </a:ext>
             </a:extLst>
           </p:cNvPr>
@@ -1131,7 +1131,7 @@
           <a:bodyPr/>
           <a:lstStyle/>
           <a:p>
-            <a:fld id="{A75F38AE-BCFE-40B1-85C6-747079975578}" type="datetimeFigureOut">
+            <a:fld id="{627BD2E9-3CDF-40EF-9B10-953DADF86D1B}" type="datetimeFigureOut">
               <a:rPr lang="zh-CN" altLang="en-US" smtClean="0"/>
               <a:t>2024/3/10</a:t>
             </a:fld>
@@ -1144,7 +1144,7 @@
           <p:cNvPr id="5" name="页脚占位符 4">
             <a:extLst>
               <a:ext uri="{FF2B5EF4-FFF2-40B4-BE49-F238E27FC236}">
-                <a16:creationId xmlns:a16="http://schemas.microsoft.com/office/drawing/2014/main" id="{DAA01D9C-8F50-3442-0D1E-6A12571D352B}"/>
+                <a16:creationId xmlns:a16="http://schemas.microsoft.com/office/drawing/2014/main" id="{86EA652E-64DC-ACE4-1BC3-E95E41E4E348}"/>
               </a:ext>
             </a:extLst>
           </p:cNvPr>
@@ -1169,7 +1169,7 @@
           <p:cNvPr id="6" name="灯片编号占位符 5">
             <a:extLst>
               <a:ext uri="{FF2B5EF4-FFF2-40B4-BE49-F238E27FC236}">
-                <a16:creationId xmlns:a16="http://schemas.microsoft.com/office/drawing/2014/main" id="{29ED1686-D2BC-0658-B34A-CC6F56B6371D}"/>
+                <a16:creationId xmlns:a16="http://schemas.microsoft.com/office/drawing/2014/main" id="{A1682E65-52EA-C524-CA57-F16DCCA815C0}"/>
               </a:ext>
             </a:extLst>
           </p:cNvPr>
@@ -1185,7 +1185,7 @@
           <a:bodyPr/>
           <a:lstStyle/>
           <a:p>
-            <a:fld id="{393140F8-0DE6-47CB-9F2B-29DF2643CDF4}" type="slidenum">
+            <a:fld id="{E05A3B10-AF22-4916-8975-BF1BDF8C64EE}" type="slidenum">
               <a:rPr lang="zh-CN" altLang="en-US" smtClean="0"/>
               <a:t>‹#›</a:t>
             </a:fld>
@@ -1196,7 +1196,7 @@
     </p:spTree>
     <p:extLst>
       <p:ext uri="{BB962C8B-B14F-4D97-AF65-F5344CB8AC3E}">
-        <p14:creationId xmlns:p14="http://schemas.microsoft.com/office/powerpoint/2010/main" val="2060403301"/>
+        <p14:creationId xmlns:p14="http://schemas.microsoft.com/office/powerpoint/2010/main" val="3630308690"/>
       </p:ext>
     </p:extLst>
   </p:cSld>
@@ -1228,7 +1228,7 @@
           <p:cNvPr id="2" name="标题 1">
             <a:extLst>
               <a:ext uri="{FF2B5EF4-FFF2-40B4-BE49-F238E27FC236}">
-                <a16:creationId xmlns:a16="http://schemas.microsoft.com/office/drawing/2014/main" id="{8CCD348C-C546-DF46-4560-E83DD82D663D}"/>
+                <a16:creationId xmlns:a16="http://schemas.microsoft.com/office/drawing/2014/main" id="{1CE8A03F-9D3F-40CB-BC88-71EA40E1A1BA}"/>
               </a:ext>
             </a:extLst>
           </p:cNvPr>
@@ -1256,7 +1256,7 @@
           <p:cNvPr id="3" name="内容占位符 2">
             <a:extLst>
               <a:ext uri="{FF2B5EF4-FFF2-40B4-BE49-F238E27FC236}">
-                <a16:creationId xmlns:a16="http://schemas.microsoft.com/office/drawing/2014/main" id="{834BC644-CD6D-DCF8-93EA-CABC267491E5}"/>
+                <a16:creationId xmlns:a16="http://schemas.microsoft.com/office/drawing/2014/main" id="{912B96C0-A367-1F83-A67B-ABEAD0A94D45}"/>
               </a:ext>
             </a:extLst>
           </p:cNvPr>
@@ -1318,7 +1318,7 @@
           <p:cNvPr id="4" name="内容占位符 3">
             <a:extLst>
               <a:ext uri="{FF2B5EF4-FFF2-40B4-BE49-F238E27FC236}">
-                <a16:creationId xmlns:a16="http://schemas.microsoft.com/office/drawing/2014/main" id="{52F935DA-8F7A-71B5-EFD2-13B3DC0E8D5F}"/>
+                <a16:creationId xmlns:a16="http://schemas.microsoft.com/office/drawing/2014/main" id="{0F4D75BC-E944-6856-D3FC-AE91A2F132F3}"/>
               </a:ext>
             </a:extLst>
           </p:cNvPr>
@@ -1380,7 +1380,7 @@
           <p:cNvPr id="5" name="日期占位符 4">
             <a:extLst>
               <a:ext uri="{FF2B5EF4-FFF2-40B4-BE49-F238E27FC236}">
-                <a16:creationId xmlns:a16="http://schemas.microsoft.com/office/drawing/2014/main" id="{D2D604B1-6DC7-B0F6-55D0-84364C01D7E2}"/>
+                <a16:creationId xmlns:a16="http://schemas.microsoft.com/office/drawing/2014/main" id="{0FDEFC9D-9806-0419-51ED-5845FF803D28}"/>
               </a:ext>
             </a:extLst>
           </p:cNvPr>
@@ -1396,7 +1396,7 @@
           <a:bodyPr/>
           <a:lstStyle/>
           <a:p>
-            <a:fld id="{A75F38AE-BCFE-40B1-85C6-747079975578}" type="datetimeFigureOut">
+            <a:fld id="{627BD2E9-3CDF-40EF-9B10-953DADF86D1B}" type="datetimeFigureOut">
               <a:rPr lang="zh-CN" altLang="en-US" smtClean="0"/>
               <a:t>2024/3/10</a:t>
             </a:fld>
@@ -1409,7 +1409,7 @@
           <p:cNvPr id="6" name="页脚占位符 5">
             <a:extLst>
               <a:ext uri="{FF2B5EF4-FFF2-40B4-BE49-F238E27FC236}">
-                <a16:creationId xmlns:a16="http://schemas.microsoft.com/office/drawing/2014/main" id="{BCA4403E-2F14-D5BA-3BC1-A0FD0122761F}"/>
+                <a16:creationId xmlns:a16="http://schemas.microsoft.com/office/drawing/2014/main" id="{49181761-714B-0DDA-3023-8CBBB633DB68}"/>
               </a:ext>
             </a:extLst>
           </p:cNvPr>
@@ -1434,7 +1434,7 @@
           <p:cNvPr id="7" name="灯片编号占位符 6">
             <a:extLst>
               <a:ext uri="{FF2B5EF4-FFF2-40B4-BE49-F238E27FC236}">
-                <a16:creationId xmlns:a16="http://schemas.microsoft.com/office/drawing/2014/main" id="{73535F31-4C09-3D1C-80BB-55AE1FC70C85}"/>
+                <a16:creationId xmlns:a16="http://schemas.microsoft.com/office/drawing/2014/main" id="{A794067F-B882-C1D5-E313-2B00C2F32BCF}"/>
               </a:ext>
             </a:extLst>
           </p:cNvPr>
@@ -1450,7 +1450,7 @@
           <a:bodyPr/>
           <a:lstStyle/>
           <a:p>
-            <a:fld id="{393140F8-0DE6-47CB-9F2B-29DF2643CDF4}" type="slidenum">
+            <a:fld id="{E05A3B10-AF22-4916-8975-BF1BDF8C64EE}" type="slidenum">
               <a:rPr lang="zh-CN" altLang="en-US" smtClean="0"/>
               <a:t>‹#›</a:t>
             </a:fld>
@@ -1461,7 +1461,7 @@
     </p:spTree>
     <p:extLst>
       <p:ext uri="{BB962C8B-B14F-4D97-AF65-F5344CB8AC3E}">
-        <p14:creationId xmlns:p14="http://schemas.microsoft.com/office/powerpoint/2010/main" val="331349826"/>
+        <p14:creationId xmlns:p14="http://schemas.microsoft.com/office/powerpoint/2010/main" val="4158221729"/>
       </p:ext>
     </p:extLst>
   </p:cSld>
@@ -1493,7 +1493,7 @@
           <p:cNvPr id="2" name="标题 1">
             <a:extLst>
               <a:ext uri="{FF2B5EF4-FFF2-40B4-BE49-F238E27FC236}">
-                <a16:creationId xmlns:a16="http://schemas.microsoft.com/office/drawing/2014/main" id="{FBA515AD-1CFE-56B9-B599-F9095322E856}"/>
+                <a16:creationId xmlns:a16="http://schemas.microsoft.com/office/drawing/2014/main" id="{D5F8EC04-3CD2-F4A9-8584-8D23A61A7D6B}"/>
               </a:ext>
             </a:extLst>
           </p:cNvPr>
@@ -1526,7 +1526,7 @@
           <p:cNvPr id="3" name="文本占位符 2">
             <a:extLst>
               <a:ext uri="{FF2B5EF4-FFF2-40B4-BE49-F238E27FC236}">
-                <a16:creationId xmlns:a16="http://schemas.microsoft.com/office/drawing/2014/main" id="{A548983D-A365-079C-BCA0-6DED2D50A072}"/>
+                <a16:creationId xmlns:a16="http://schemas.microsoft.com/office/drawing/2014/main" id="{538EA11B-2253-DD34-A284-22A3B2519C85}"/>
               </a:ext>
             </a:extLst>
           </p:cNvPr>
@@ -1597,7 +1597,7 @@
           <p:cNvPr id="4" name="内容占位符 3">
             <a:extLst>
               <a:ext uri="{FF2B5EF4-FFF2-40B4-BE49-F238E27FC236}">
-                <a16:creationId xmlns:a16="http://schemas.microsoft.com/office/drawing/2014/main" id="{3A9BB85A-8812-51F3-F8A0-FB0790909552}"/>
+                <a16:creationId xmlns:a16="http://schemas.microsoft.com/office/drawing/2014/main" id="{B554D0F9-C05D-A0E8-5D92-BFAF8844B757}"/>
               </a:ext>
             </a:extLst>
           </p:cNvPr>
@@ -1659,7 +1659,7 @@
           <p:cNvPr id="5" name="文本占位符 4">
             <a:extLst>
               <a:ext uri="{FF2B5EF4-FFF2-40B4-BE49-F238E27FC236}">
-                <a16:creationId xmlns:a16="http://schemas.microsoft.com/office/drawing/2014/main" id="{3ECDFEA3-D51C-75D9-83EF-19F97310369C}"/>
+                <a16:creationId xmlns:a16="http://schemas.microsoft.com/office/drawing/2014/main" id="{846EC860-6458-2A5B-FC53-C8A012F87B57}"/>
               </a:ext>
             </a:extLst>
           </p:cNvPr>
@@ -1730,7 +1730,7 @@
           <p:cNvPr id="6" name="内容占位符 5">
             <a:extLst>
               <a:ext uri="{FF2B5EF4-FFF2-40B4-BE49-F238E27FC236}">
-                <a16:creationId xmlns:a16="http://schemas.microsoft.com/office/drawing/2014/main" id="{91DBA701-8631-8603-6F38-11035DAE0A3F}"/>
+                <a16:creationId xmlns:a16="http://schemas.microsoft.com/office/drawing/2014/main" id="{D415CED5-9627-47E5-CDAE-7FBA796D9A60}"/>
               </a:ext>
             </a:extLst>
           </p:cNvPr>
@@ -1792,7 +1792,7 @@
           <p:cNvPr id="7" name="日期占位符 6">
             <a:extLst>
               <a:ext uri="{FF2B5EF4-FFF2-40B4-BE49-F238E27FC236}">
-                <a16:creationId xmlns:a16="http://schemas.microsoft.com/office/drawing/2014/main" id="{0DD7122C-070C-2DB1-B691-E9B79CBBDC77}"/>
+                <a16:creationId xmlns:a16="http://schemas.microsoft.com/office/drawing/2014/main" id="{D828F3B9-4B41-FB75-6C6C-D6C55836C84D}"/>
               </a:ext>
             </a:extLst>
           </p:cNvPr>
@@ -1808,7 +1808,7 @@
           <a:bodyPr/>
           <a:lstStyle/>
           <a:p>
-            <a:fld id="{A75F38AE-BCFE-40B1-85C6-747079975578}" type="datetimeFigureOut">
+            <a:fld id="{627BD2E9-3CDF-40EF-9B10-953DADF86D1B}" type="datetimeFigureOut">
               <a:rPr lang="zh-CN" altLang="en-US" smtClean="0"/>
               <a:t>2024/3/10</a:t>
             </a:fld>
@@ -1821,7 +1821,7 @@
           <p:cNvPr id="8" name="页脚占位符 7">
             <a:extLst>
               <a:ext uri="{FF2B5EF4-FFF2-40B4-BE49-F238E27FC236}">
-                <a16:creationId xmlns:a16="http://schemas.microsoft.com/office/drawing/2014/main" id="{FEA14113-787E-D80C-AF30-2CC690181954}"/>
+                <a16:creationId xmlns:a16="http://schemas.microsoft.com/office/drawing/2014/main" id="{530BD2ED-23F8-3D69-C8C6-57D0C9D3BF24}"/>
               </a:ext>
             </a:extLst>
           </p:cNvPr>
@@ -1846,7 +1846,7 @@
           <p:cNvPr id="9" name="灯片编号占位符 8">
             <a:extLst>
               <a:ext uri="{FF2B5EF4-FFF2-40B4-BE49-F238E27FC236}">
-                <a16:creationId xmlns:a16="http://schemas.microsoft.com/office/drawing/2014/main" id="{54E84CAC-A9EB-FA11-FC65-64BE64940ECE}"/>
+                <a16:creationId xmlns:a16="http://schemas.microsoft.com/office/drawing/2014/main" id="{643457D6-3001-C0B0-BC8F-05A059DDA6C0}"/>
               </a:ext>
             </a:extLst>
           </p:cNvPr>
@@ -1862,7 +1862,7 @@
           <a:bodyPr/>
           <a:lstStyle/>
           <a:p>
-            <a:fld id="{393140F8-0DE6-47CB-9F2B-29DF2643CDF4}" type="slidenum">
+            <a:fld id="{E05A3B10-AF22-4916-8975-BF1BDF8C64EE}" type="slidenum">
               <a:rPr lang="zh-CN" altLang="en-US" smtClean="0"/>
               <a:t>‹#›</a:t>
             </a:fld>
@@ -1873,7 +1873,7 @@
     </p:spTree>
     <p:extLst>
       <p:ext uri="{BB962C8B-B14F-4D97-AF65-F5344CB8AC3E}">
-        <p14:creationId xmlns:p14="http://schemas.microsoft.com/office/powerpoint/2010/main" val="1520105122"/>
+        <p14:creationId xmlns:p14="http://schemas.microsoft.com/office/powerpoint/2010/main" val="4288709555"/>
       </p:ext>
     </p:extLst>
   </p:cSld>
@@ -1905,7 +1905,7 @@
           <p:cNvPr id="2" name="标题 1">
             <a:extLst>
               <a:ext uri="{FF2B5EF4-FFF2-40B4-BE49-F238E27FC236}">
-                <a16:creationId xmlns:a16="http://schemas.microsoft.com/office/drawing/2014/main" id="{28867F08-BBAF-3E56-B7B0-3293DEB4F032}"/>
+                <a16:creationId xmlns:a16="http://schemas.microsoft.com/office/drawing/2014/main" id="{161E18E1-6E3A-B1FB-8F9B-80854C2EA308}"/>
               </a:ext>
             </a:extLst>
           </p:cNvPr>
@@ -1933,7 +1933,7 @@
           <p:cNvPr id="3" name="日期占位符 2">
             <a:extLst>
               <a:ext uri="{FF2B5EF4-FFF2-40B4-BE49-F238E27FC236}">
-                <a16:creationId xmlns:a16="http://schemas.microsoft.com/office/drawing/2014/main" id="{834529A6-A66A-B136-E5EC-B113DA383C14}"/>
+                <a16:creationId xmlns:a16="http://schemas.microsoft.com/office/drawing/2014/main" id="{C87F5671-7575-963A-317E-BF76064D80BF}"/>
               </a:ext>
             </a:extLst>
           </p:cNvPr>
@@ -1949,7 +1949,7 @@
           <a:bodyPr/>
           <a:lstStyle/>
           <a:p>
-            <a:fld id="{A75F38AE-BCFE-40B1-85C6-747079975578}" type="datetimeFigureOut">
+            <a:fld id="{627BD2E9-3CDF-40EF-9B10-953DADF86D1B}" type="datetimeFigureOut">
               <a:rPr lang="zh-CN" altLang="en-US" smtClean="0"/>
               <a:t>2024/3/10</a:t>
             </a:fld>
@@ -1962,7 +1962,7 @@
           <p:cNvPr id="4" name="页脚占位符 3">
             <a:extLst>
               <a:ext uri="{FF2B5EF4-FFF2-40B4-BE49-F238E27FC236}">
-                <a16:creationId xmlns:a16="http://schemas.microsoft.com/office/drawing/2014/main" id="{BA00F4CB-D9FD-B82D-E4EB-334688766F45}"/>
+                <a16:creationId xmlns:a16="http://schemas.microsoft.com/office/drawing/2014/main" id="{1DB84A38-CCF9-F1AA-75D8-6127F4D3067F}"/>
               </a:ext>
             </a:extLst>
           </p:cNvPr>
@@ -1987,7 +1987,7 @@
           <p:cNvPr id="5" name="灯片编号占位符 4">
             <a:extLst>
               <a:ext uri="{FF2B5EF4-FFF2-40B4-BE49-F238E27FC236}">
-                <a16:creationId xmlns:a16="http://schemas.microsoft.com/office/drawing/2014/main" id="{1285BC40-51DE-42BD-29A3-86FD2DA8631D}"/>
+                <a16:creationId xmlns:a16="http://schemas.microsoft.com/office/drawing/2014/main" id="{4DD04B84-F5C1-6BA9-AD8B-E1D5F04FE632}"/>
               </a:ext>
             </a:extLst>
           </p:cNvPr>
@@ -2003,7 +2003,7 @@
           <a:bodyPr/>
           <a:lstStyle/>
           <a:p>
-            <a:fld id="{393140F8-0DE6-47CB-9F2B-29DF2643CDF4}" type="slidenum">
+            <a:fld id="{E05A3B10-AF22-4916-8975-BF1BDF8C64EE}" type="slidenum">
               <a:rPr lang="zh-CN" altLang="en-US" smtClean="0"/>
               <a:t>‹#›</a:t>
             </a:fld>
@@ -2014,7 +2014,7 @@
     </p:spTree>
     <p:extLst>
       <p:ext uri="{BB962C8B-B14F-4D97-AF65-F5344CB8AC3E}">
-        <p14:creationId xmlns:p14="http://schemas.microsoft.com/office/powerpoint/2010/main" val="16648794"/>
+        <p14:creationId xmlns:p14="http://schemas.microsoft.com/office/powerpoint/2010/main" val="39727513"/>
       </p:ext>
     </p:extLst>
   </p:cSld>
@@ -2046,7 +2046,7 @@
           <p:cNvPr id="2" name="日期占位符 1">
             <a:extLst>
               <a:ext uri="{FF2B5EF4-FFF2-40B4-BE49-F238E27FC236}">
-                <a16:creationId xmlns:a16="http://schemas.microsoft.com/office/drawing/2014/main" id="{609B384D-E173-B885-FAC0-F97A34F9E88B}"/>
+                <a16:creationId xmlns:a16="http://schemas.microsoft.com/office/drawing/2014/main" id="{6CEC5B07-0225-5776-2C9F-663201BB8A54}"/>
               </a:ext>
             </a:extLst>
           </p:cNvPr>
@@ -2062,7 +2062,7 @@
           <a:bodyPr/>
           <a:lstStyle/>
           <a:p>
-            <a:fld id="{A75F38AE-BCFE-40B1-85C6-747079975578}" type="datetimeFigureOut">
+            <a:fld id="{627BD2E9-3CDF-40EF-9B10-953DADF86D1B}" type="datetimeFigureOut">
               <a:rPr lang="zh-CN" altLang="en-US" smtClean="0"/>
               <a:t>2024/3/10</a:t>
             </a:fld>
@@ -2075,7 +2075,7 @@
           <p:cNvPr id="3" name="页脚占位符 2">
             <a:extLst>
               <a:ext uri="{FF2B5EF4-FFF2-40B4-BE49-F238E27FC236}">
-                <a16:creationId xmlns:a16="http://schemas.microsoft.com/office/drawing/2014/main" id="{5CA3C781-247E-8FA1-8BF7-B5BC5DBF47E9}"/>
+                <a16:creationId xmlns:a16="http://schemas.microsoft.com/office/drawing/2014/main" id="{744325F9-CBB3-D39D-BB1A-12355AD09164}"/>
               </a:ext>
             </a:extLst>
           </p:cNvPr>
@@ -2100,7 +2100,7 @@
           <p:cNvPr id="4" name="灯片编号占位符 3">
             <a:extLst>
               <a:ext uri="{FF2B5EF4-FFF2-40B4-BE49-F238E27FC236}">
-                <a16:creationId xmlns:a16="http://schemas.microsoft.com/office/drawing/2014/main" id="{AAE72F99-ABAA-33C6-101F-E88F020844DB}"/>
+                <a16:creationId xmlns:a16="http://schemas.microsoft.com/office/drawing/2014/main" id="{D572104F-E212-5476-A1AC-8AC132D4A406}"/>
               </a:ext>
             </a:extLst>
           </p:cNvPr>
@@ -2116,7 +2116,7 @@
           <a:bodyPr/>
           <a:lstStyle/>
           <a:p>
-            <a:fld id="{393140F8-0DE6-47CB-9F2B-29DF2643CDF4}" type="slidenum">
+            <a:fld id="{E05A3B10-AF22-4916-8975-BF1BDF8C64EE}" type="slidenum">
               <a:rPr lang="zh-CN" altLang="en-US" smtClean="0"/>
               <a:t>‹#›</a:t>
             </a:fld>
@@ -2127,7 +2127,7 @@
     </p:spTree>
     <p:extLst>
       <p:ext uri="{BB962C8B-B14F-4D97-AF65-F5344CB8AC3E}">
-        <p14:creationId xmlns:p14="http://schemas.microsoft.com/office/powerpoint/2010/main" val="3301154966"/>
+        <p14:creationId xmlns:p14="http://schemas.microsoft.com/office/powerpoint/2010/main" val="1835534318"/>
       </p:ext>
     </p:extLst>
   </p:cSld>
@@ -2159,7 +2159,7 @@
           <p:cNvPr id="2" name="标题 1">
             <a:extLst>
               <a:ext uri="{FF2B5EF4-FFF2-40B4-BE49-F238E27FC236}">
-                <a16:creationId xmlns:a16="http://schemas.microsoft.com/office/drawing/2014/main" id="{3EC8C07A-A216-8B58-8C35-56E4FDAE5310}"/>
+                <a16:creationId xmlns:a16="http://schemas.microsoft.com/office/drawing/2014/main" id="{8F31E83E-7177-8048-DCFD-15F11C9D698B}"/>
               </a:ext>
             </a:extLst>
           </p:cNvPr>
@@ -2196,7 +2196,7 @@
           <p:cNvPr id="3" name="内容占位符 2">
             <a:extLst>
               <a:ext uri="{FF2B5EF4-FFF2-40B4-BE49-F238E27FC236}">
-                <a16:creationId xmlns:a16="http://schemas.microsoft.com/office/drawing/2014/main" id="{99F2D3F1-11E5-EA8A-4D35-B95699929E1E}"/>
+                <a16:creationId xmlns:a16="http://schemas.microsoft.com/office/drawing/2014/main" id="{16BE709E-C2FD-516C-3DE8-B16C6600CD69}"/>
               </a:ext>
             </a:extLst>
           </p:cNvPr>
@@ -2286,7 +2286,7 @@
           <p:cNvPr id="4" name="文本占位符 3">
             <a:extLst>
               <a:ext uri="{FF2B5EF4-FFF2-40B4-BE49-F238E27FC236}">
-                <a16:creationId xmlns:a16="http://schemas.microsoft.com/office/drawing/2014/main" id="{55F8DC84-9781-48F7-1961-547CA997DB9E}"/>
+                <a16:creationId xmlns:a16="http://schemas.microsoft.com/office/drawing/2014/main" id="{91695F6B-3D6D-3D47-2BB8-704DE2C93839}"/>
               </a:ext>
             </a:extLst>
           </p:cNvPr>
@@ -2357,7 +2357,7 @@
           <p:cNvPr id="5" name="日期占位符 4">
             <a:extLst>
               <a:ext uri="{FF2B5EF4-FFF2-40B4-BE49-F238E27FC236}">
-                <a16:creationId xmlns:a16="http://schemas.microsoft.com/office/drawing/2014/main" id="{99C20E7F-31A9-805D-F19B-F7342FFE9ECB}"/>
+                <a16:creationId xmlns:a16="http://schemas.microsoft.com/office/drawing/2014/main" id="{BD748E34-060C-7227-35D4-1A1CF045D3D7}"/>
               </a:ext>
             </a:extLst>
           </p:cNvPr>
@@ -2373,7 +2373,7 @@
           <a:bodyPr/>
           <a:lstStyle/>
           <a:p>
-            <a:fld id="{A75F38AE-BCFE-40B1-85C6-747079975578}" type="datetimeFigureOut">
+            <a:fld id="{627BD2E9-3CDF-40EF-9B10-953DADF86D1B}" type="datetimeFigureOut">
               <a:rPr lang="zh-CN" altLang="en-US" smtClean="0"/>
               <a:t>2024/3/10</a:t>
             </a:fld>
@@ -2386,7 +2386,7 @@
           <p:cNvPr id="6" name="页脚占位符 5">
             <a:extLst>
               <a:ext uri="{FF2B5EF4-FFF2-40B4-BE49-F238E27FC236}">
-                <a16:creationId xmlns:a16="http://schemas.microsoft.com/office/drawing/2014/main" id="{1574618E-0143-B1C9-FBFB-12663AA5A589}"/>
+                <a16:creationId xmlns:a16="http://schemas.microsoft.com/office/drawing/2014/main" id="{8A09A858-6E21-DB6D-3B2A-B8768A687108}"/>
               </a:ext>
             </a:extLst>
           </p:cNvPr>
@@ -2411,7 +2411,7 @@
           <p:cNvPr id="7" name="灯片编号占位符 6">
             <a:extLst>
               <a:ext uri="{FF2B5EF4-FFF2-40B4-BE49-F238E27FC236}">
-                <a16:creationId xmlns:a16="http://schemas.microsoft.com/office/drawing/2014/main" id="{5327F784-A1DD-E62C-C168-AF0C0A25D473}"/>
+                <a16:creationId xmlns:a16="http://schemas.microsoft.com/office/drawing/2014/main" id="{357132DF-B646-A569-EEC1-171F839D44CA}"/>
               </a:ext>
             </a:extLst>
           </p:cNvPr>
@@ -2427,7 +2427,7 @@
           <a:bodyPr/>
           <a:lstStyle/>
           <a:p>
-            <a:fld id="{393140F8-0DE6-47CB-9F2B-29DF2643CDF4}" type="slidenum">
+            <a:fld id="{E05A3B10-AF22-4916-8975-BF1BDF8C64EE}" type="slidenum">
               <a:rPr lang="zh-CN" altLang="en-US" smtClean="0"/>
               <a:t>‹#›</a:t>
             </a:fld>
@@ -2438,7 +2438,7 @@
     </p:spTree>
     <p:extLst>
       <p:ext uri="{BB962C8B-B14F-4D97-AF65-F5344CB8AC3E}">
-        <p14:creationId xmlns:p14="http://schemas.microsoft.com/office/powerpoint/2010/main" val="3245269229"/>
+        <p14:creationId xmlns:p14="http://schemas.microsoft.com/office/powerpoint/2010/main" val="3666275284"/>
       </p:ext>
     </p:extLst>
   </p:cSld>
@@ -2470,7 +2470,7 @@
           <p:cNvPr id="2" name="标题 1">
             <a:extLst>
               <a:ext uri="{FF2B5EF4-FFF2-40B4-BE49-F238E27FC236}">
-                <a16:creationId xmlns:a16="http://schemas.microsoft.com/office/drawing/2014/main" id="{6813A48B-64D2-33A1-2AD1-F61D3740EC6F}"/>
+                <a16:creationId xmlns:a16="http://schemas.microsoft.com/office/drawing/2014/main" id="{D83120A7-8DF5-EDF4-1C18-6340045C55E1}"/>
               </a:ext>
             </a:extLst>
           </p:cNvPr>
@@ -2507,7 +2507,7 @@
           <p:cNvPr id="3" name="图片占位符 2">
             <a:extLst>
               <a:ext uri="{FF2B5EF4-FFF2-40B4-BE49-F238E27FC236}">
-                <a16:creationId xmlns:a16="http://schemas.microsoft.com/office/drawing/2014/main" id="{9950F502-9C83-8C6B-E1F0-E014BB6D7A94}"/>
+                <a16:creationId xmlns:a16="http://schemas.microsoft.com/office/drawing/2014/main" id="{0804671B-701B-A0F5-6F0F-AA78061C04DF}"/>
               </a:ext>
             </a:extLst>
           </p:cNvPr>
@@ -2574,7 +2574,7 @@
           <p:cNvPr id="4" name="文本占位符 3">
             <a:extLst>
               <a:ext uri="{FF2B5EF4-FFF2-40B4-BE49-F238E27FC236}">
-                <a16:creationId xmlns:a16="http://schemas.microsoft.com/office/drawing/2014/main" id="{AAE5EF2B-417B-714B-9C07-8CBAEC9A86DE}"/>
+                <a16:creationId xmlns:a16="http://schemas.microsoft.com/office/drawing/2014/main" id="{EC1EE90D-DD6B-9094-B60F-7C9A54AE6CA7}"/>
               </a:ext>
             </a:extLst>
           </p:cNvPr>
@@ -2645,7 +2645,7 @@
           <p:cNvPr id="5" name="日期占位符 4">
             <a:extLst>
               <a:ext uri="{FF2B5EF4-FFF2-40B4-BE49-F238E27FC236}">
-                <a16:creationId xmlns:a16="http://schemas.microsoft.com/office/drawing/2014/main" id="{F95E82F7-98A1-7B8A-5E26-393D0DA36E63}"/>
+                <a16:creationId xmlns:a16="http://schemas.microsoft.com/office/drawing/2014/main" id="{8447FE81-305B-8575-A50C-42CC0267B4A5}"/>
               </a:ext>
             </a:extLst>
           </p:cNvPr>
@@ -2661,7 +2661,7 @@
           <a:bodyPr/>
           <a:lstStyle/>
           <a:p>
-            <a:fld id="{A75F38AE-BCFE-40B1-85C6-747079975578}" type="datetimeFigureOut">
+            <a:fld id="{627BD2E9-3CDF-40EF-9B10-953DADF86D1B}" type="datetimeFigureOut">
               <a:rPr lang="zh-CN" altLang="en-US" smtClean="0"/>
               <a:t>2024/3/10</a:t>
             </a:fld>
@@ -2674,7 +2674,7 @@
           <p:cNvPr id="6" name="页脚占位符 5">
             <a:extLst>
               <a:ext uri="{FF2B5EF4-FFF2-40B4-BE49-F238E27FC236}">
-                <a16:creationId xmlns:a16="http://schemas.microsoft.com/office/drawing/2014/main" id="{0EC32936-C935-2D35-372D-D8C8371256D5}"/>
+                <a16:creationId xmlns:a16="http://schemas.microsoft.com/office/drawing/2014/main" id="{25CF6093-519D-D7C6-1472-C16B03128812}"/>
               </a:ext>
             </a:extLst>
           </p:cNvPr>
@@ -2699,7 +2699,7 @@
           <p:cNvPr id="7" name="灯片编号占位符 6">
             <a:extLst>
               <a:ext uri="{FF2B5EF4-FFF2-40B4-BE49-F238E27FC236}">
-                <a16:creationId xmlns:a16="http://schemas.microsoft.com/office/drawing/2014/main" id="{B1A14CE0-6DE7-FD2E-54A5-32B86C8149AF}"/>
+                <a16:creationId xmlns:a16="http://schemas.microsoft.com/office/drawing/2014/main" id="{041CC6F9-BBDA-B72E-996C-010DB32F1ECD}"/>
               </a:ext>
             </a:extLst>
           </p:cNvPr>
@@ -2715,7 +2715,7 @@
           <a:bodyPr/>
           <a:lstStyle/>
           <a:p>
-            <a:fld id="{393140F8-0DE6-47CB-9F2B-29DF2643CDF4}" type="slidenum">
+            <a:fld id="{E05A3B10-AF22-4916-8975-BF1BDF8C64EE}" type="slidenum">
               <a:rPr lang="zh-CN" altLang="en-US" smtClean="0"/>
               <a:t>‹#›</a:t>
             </a:fld>
@@ -2726,7 +2726,7 @@
     </p:spTree>
     <p:extLst>
       <p:ext uri="{BB962C8B-B14F-4D97-AF65-F5344CB8AC3E}">
-        <p14:creationId xmlns:p14="http://schemas.microsoft.com/office/powerpoint/2010/main" val="579693489"/>
+        <p14:creationId xmlns:p14="http://schemas.microsoft.com/office/powerpoint/2010/main" val="264479945"/>
       </p:ext>
     </p:extLst>
   </p:cSld>
@@ -2763,7 +2763,7 @@
           <p:cNvPr id="2" name="标题占位符 1">
             <a:extLst>
               <a:ext uri="{FF2B5EF4-FFF2-40B4-BE49-F238E27FC236}">
-                <a16:creationId xmlns:a16="http://schemas.microsoft.com/office/drawing/2014/main" id="{16AAB5F2-6A1A-B947-FB3F-7C1D18CB7626}"/>
+                <a16:creationId xmlns:a16="http://schemas.microsoft.com/office/drawing/2014/main" id="{F12C33DB-8673-5748-430C-C1826E4544FC}"/>
               </a:ext>
             </a:extLst>
           </p:cNvPr>
@@ -2801,7 +2801,7 @@
           <p:cNvPr id="3" name="文本占位符 2">
             <a:extLst>
               <a:ext uri="{FF2B5EF4-FFF2-40B4-BE49-F238E27FC236}">
-                <a16:creationId xmlns:a16="http://schemas.microsoft.com/office/drawing/2014/main" id="{33364BCF-9409-C39C-E25D-D13701B1757A}"/>
+                <a16:creationId xmlns:a16="http://schemas.microsoft.com/office/drawing/2014/main" id="{EAC4B03D-FF81-9970-7D21-C4172C91E74C}"/>
               </a:ext>
             </a:extLst>
           </p:cNvPr>
@@ -2868,7 +2868,7 @@
           <p:cNvPr id="4" name="日期占位符 3">
             <a:extLst>
               <a:ext uri="{FF2B5EF4-FFF2-40B4-BE49-F238E27FC236}">
-                <a16:creationId xmlns:a16="http://schemas.microsoft.com/office/drawing/2014/main" id="{FDE9A1C6-5E2A-DE04-5FEE-CD208A80595B}"/>
+                <a16:creationId xmlns:a16="http://schemas.microsoft.com/office/drawing/2014/main" id="{B26B7947-A65F-9190-7EE3-17EA689B5444}"/>
               </a:ext>
             </a:extLst>
           </p:cNvPr>
@@ -2902,7 +2902,7 @@
             </a:lvl1pPr>
           </a:lstStyle>
           <a:p>
-            <a:fld id="{A75F38AE-BCFE-40B1-85C6-747079975578}" type="datetimeFigureOut">
+            <a:fld id="{627BD2E9-3CDF-40EF-9B10-953DADF86D1B}" type="datetimeFigureOut">
               <a:rPr lang="zh-CN" altLang="en-US" smtClean="0"/>
               <a:t>2024/3/10</a:t>
             </a:fld>
@@ -2915,7 +2915,7 @@
           <p:cNvPr id="5" name="页脚占位符 4">
             <a:extLst>
               <a:ext uri="{FF2B5EF4-FFF2-40B4-BE49-F238E27FC236}">
-                <a16:creationId xmlns:a16="http://schemas.microsoft.com/office/drawing/2014/main" id="{8A473D5F-6413-B6B5-DE9E-A5F22A4EE55A}"/>
+                <a16:creationId xmlns:a16="http://schemas.microsoft.com/office/drawing/2014/main" id="{DFEB137E-1910-C9BF-3B3D-85F8A550A7C4}"/>
               </a:ext>
             </a:extLst>
           </p:cNvPr>
@@ -2958,7 +2958,7 @@
           <p:cNvPr id="6" name="灯片编号占位符 5">
             <a:extLst>
               <a:ext uri="{FF2B5EF4-FFF2-40B4-BE49-F238E27FC236}">
-                <a16:creationId xmlns:a16="http://schemas.microsoft.com/office/drawing/2014/main" id="{E8042832-DB1C-8B7C-99C2-CEB37AF1268E}"/>
+                <a16:creationId xmlns:a16="http://schemas.microsoft.com/office/drawing/2014/main" id="{233E757B-18C8-A9C3-E376-ECC2A0EF1AE3}"/>
               </a:ext>
             </a:extLst>
           </p:cNvPr>
@@ -2992,7 +2992,7 @@
             </a:lvl1pPr>
           </a:lstStyle>
           <a:p>
-            <a:fld id="{393140F8-0DE6-47CB-9F2B-29DF2643CDF4}" type="slidenum">
+            <a:fld id="{E05A3B10-AF22-4916-8975-BF1BDF8C64EE}" type="slidenum">
               <a:rPr lang="zh-CN" altLang="en-US" smtClean="0"/>
               <a:t>‹#›</a:t>
             </a:fld>
@@ -3003,7 +3003,7 @@
     </p:spTree>
     <p:extLst>
       <p:ext uri="{BB962C8B-B14F-4D97-AF65-F5344CB8AC3E}">
-        <p14:creationId xmlns:p14="http://schemas.microsoft.com/office/powerpoint/2010/main" val="2380255620"/>
+        <p14:creationId xmlns:p14="http://schemas.microsoft.com/office/powerpoint/2010/main" val="3004336307"/>
       </p:ext>
     </p:extLst>
   </p:cSld>
